--- a/documentos/pitch-tcc-ds-2a-gb.pptx
+++ b/documentos/pitch-tcc-ds-2a-gb.pptx
@@ -5,104 +5,35 @@
     <p:sldMasterId id="2147483648" r:id="rId1"/>
   </p:sldMasterIdLst>
   <p:sldIdLst>
-    <p:sldId id="256" r:id="rId28"/>
-    <p:sldId id="257" r:id="rId29"/>
-    <p:sldId id="258" r:id="rId30"/>
-    <p:sldId id="259" r:id="rId31"/>
-    <p:sldId id="260" r:id="rId32"/>
-    <p:sldId id="261" r:id="rId33"/>
-    <p:sldId id="262" r:id="rId34"/>
+    <p:sldId id="256" r:id="rId6"/>
+    <p:sldId id="257" r:id="rId7"/>
+    <p:sldId id="258" r:id="rId8"/>
+    <p:sldId id="259" r:id="rId9"/>
+    <p:sldId id="260" r:id="rId10"/>
+    <p:sldId id="261" r:id="rId11"/>
+    <p:sldId id="262" r:id="rId12"/>
+    <p:sldId id="263" r:id="rId13"/>
+    <p:sldId id="264" r:id="rId14"/>
+    <p:sldId id="265" r:id="rId15"/>
   </p:sldIdLst>
   <p:sldSz cx="18288000" cy="10287000"/>
   <p:notesSz cx="6858000" cy="9144000"/>
   <p:embeddedFontLst>
     <p:embeddedFont>
-      <p:font typeface="Arimo" charset="1" panose="020B0604020202020204"/>
-      <p:regular r:id="rId6"/>
+      <p:font typeface="Barlow Bold" charset="1" panose="00000800000000000000"/>
+      <p:regular r:id="rId16"/>
     </p:embeddedFont>
     <p:embeddedFont>
-      <p:font typeface="Arimo Bold" charset="1" panose="020B0704020202020204"/>
-      <p:regular r:id="rId7"/>
-    </p:embeddedFont>
-    <p:embeddedFont>
-      <p:font typeface="Arimo Italics" charset="1" panose="020B0604020202090204"/>
-      <p:regular r:id="rId8"/>
-    </p:embeddedFont>
-    <p:embeddedFont>
-      <p:font typeface="Arimo Bold Italics" charset="1" panose="020B0704020202090204"/>
-      <p:regular r:id="rId9"/>
+      <p:font typeface="Barlow Semi-Bold Italics" charset="1" panose="00000700000000000000"/>
+      <p:regular r:id="rId17"/>
     </p:embeddedFont>
     <p:embeddedFont>
       <p:font typeface="Barlow" charset="1" panose="00000500000000000000"/>
-      <p:regular r:id="rId10"/>
-    </p:embeddedFont>
-    <p:embeddedFont>
-      <p:font typeface="Barlow Bold" charset="1" panose="00000800000000000000"/>
-      <p:regular r:id="rId11"/>
-    </p:embeddedFont>
-    <p:embeddedFont>
-      <p:font typeface="Barlow Italics" charset="1" panose="00000500000000000000"/>
-      <p:regular r:id="rId12"/>
-    </p:embeddedFont>
-    <p:embeddedFont>
-      <p:font typeface="Barlow Bold Italics" charset="1" panose="00000800000000000000"/>
-      <p:regular r:id="rId13"/>
-    </p:embeddedFont>
-    <p:embeddedFont>
-      <p:font typeface="Barlow Thin" charset="1" panose="00000300000000000000"/>
-      <p:regular r:id="rId14"/>
-    </p:embeddedFont>
-    <p:embeddedFont>
-      <p:font typeface="Barlow Thin Italics" charset="1" panose="00000300000000000000"/>
-      <p:regular r:id="rId15"/>
-    </p:embeddedFont>
-    <p:embeddedFont>
-      <p:font typeface="Barlow Extra-Light" charset="1" panose="00000300000000000000"/>
-      <p:regular r:id="rId16"/>
-    </p:embeddedFont>
-    <p:embeddedFont>
-      <p:font typeface="Barlow Extra-Light Italics" charset="1" panose="00000300000000000000"/>
-      <p:regular r:id="rId17"/>
-    </p:embeddedFont>
-    <p:embeddedFont>
-      <p:font typeface="Barlow Light" charset="1" panose="00000400000000000000"/>
       <p:regular r:id="rId18"/>
     </p:embeddedFont>
     <p:embeddedFont>
-      <p:font typeface="Barlow Light Italics" charset="1" panose="00000400000000000000"/>
+      <p:font typeface="Barlow Semi-Bold" charset="1" panose="00000700000000000000"/>
       <p:regular r:id="rId19"/>
-    </p:embeddedFont>
-    <p:embeddedFont>
-      <p:font typeface="Barlow Medium" charset="1" panose="00000600000000000000"/>
-      <p:regular r:id="rId20"/>
-    </p:embeddedFont>
-    <p:embeddedFont>
-      <p:font typeface="Barlow Medium Italics" charset="1" panose="00000600000000000000"/>
-      <p:regular r:id="rId21"/>
-    </p:embeddedFont>
-    <p:embeddedFont>
-      <p:font typeface="Barlow Semi-Bold" charset="1" panose="00000700000000000000"/>
-      <p:regular r:id="rId22"/>
-    </p:embeddedFont>
-    <p:embeddedFont>
-      <p:font typeface="Barlow Semi-Bold Italics" charset="1" panose="00000700000000000000"/>
-      <p:regular r:id="rId23"/>
-    </p:embeddedFont>
-    <p:embeddedFont>
-      <p:font typeface="Barlow Ultra-Bold" charset="1" panose="00000900000000000000"/>
-      <p:regular r:id="rId24"/>
-    </p:embeddedFont>
-    <p:embeddedFont>
-      <p:font typeface="Barlow Ultra-Bold Italics" charset="1" panose="00000900000000000000"/>
-      <p:regular r:id="rId25"/>
-    </p:embeddedFont>
-    <p:embeddedFont>
-      <p:font typeface="Barlow Heavy" charset="1" panose="00000A00000000000000"/>
-      <p:regular r:id="rId26"/>
-    </p:embeddedFont>
-    <p:embeddedFont>
-      <p:font typeface="Barlow Heavy Italics" charset="1" panose="00000A00000000000000"/>
-      <p:regular r:id="rId27"/>
     </p:embeddedFont>
   </p:embeddedFontLst>
   <p:defaultTextStyle>
@@ -3274,7 +3205,7 @@
         </p:nvSpPr>
         <p:spPr>
           <a:xfrm rot="0">
-            <a:off x="1644998" y="3178750"/>
+            <a:off x="2261295" y="2943844"/>
             <a:ext cx="14998005" cy="2516338"/>
           </a:xfrm>
           <a:prstGeom prst="rect">
@@ -3676,353 +3607,7 @@
 </p:sld>
 </file>
 
-<file path=ppt/slides/slide2.xml><?xml version="1.0" encoding="utf-8"?>
-<p:sld xmlns:p="http://schemas.openxmlformats.org/presentationml/2006/main" xmlns:a="http://schemas.openxmlformats.org/drawingml/2006/main" xmlns:r="http://schemas.openxmlformats.org/officeDocument/2006/relationships">
-  <p:cSld>
-    <p:bg>
-      <p:bgPr>
-        <a:solidFill>
-          <a:srgbClr val="4C5270"/>
-        </a:solidFill>
-      </p:bgPr>
-    </p:bg>
-    <p:spTree>
-      <p:nvGrpSpPr>
-        <p:cNvPr id="1" name=""/>
-        <p:cNvGrpSpPr/>
-        <p:nvPr/>
-      </p:nvGrpSpPr>
-      <p:grpSpPr>
-        <a:xfrm>
-          <a:off x="0" y="0"/>
-          <a:ext cx="0" cy="0"/>
-          <a:chOff x="0" y="0"/>
-          <a:chExt cx="0" cy="0"/>
-        </a:xfrm>
-      </p:grpSpPr>
-      <p:sp>
-        <p:nvSpPr>
-          <p:cNvPr name="Freeform 2" id="2"/>
-          <p:cNvSpPr/>
-          <p:nvPr/>
-        </p:nvSpPr>
-        <p:spPr>
-          <a:xfrm flipH="false" flipV="false" rot="0">
-            <a:off x="14089575" y="4711522"/>
-            <a:ext cx="7315200" cy="1064029"/>
-          </a:xfrm>
-          <a:custGeom>
-            <a:avLst/>
-            <a:gdLst/>
-            <a:ahLst/>
-            <a:cxnLst/>
-            <a:rect r="r" b="b" t="t" l="l"/>
-            <a:pathLst>
-              <a:path h="1064029" w="7315200">
-                <a:moveTo>
-                  <a:pt x="0" y="0"/>
-                </a:moveTo>
-                <a:lnTo>
-                  <a:pt x="7315200" y="0"/>
-                </a:lnTo>
-                <a:lnTo>
-                  <a:pt x="7315200" y="1064029"/>
-                </a:lnTo>
-                <a:lnTo>
-                  <a:pt x="0" y="1064029"/>
-                </a:lnTo>
-                <a:lnTo>
-                  <a:pt x="0" y="0"/>
-                </a:lnTo>
-                <a:close/>
-              </a:path>
-            </a:pathLst>
-          </a:custGeom>
-          <a:blipFill>
-            <a:blip r:embed="rId2">
-              <a:extLst>
-                <a:ext uri="{96DAC541-7B7A-43D3-8B79-37D633B846F1}">
-                  <asvg:svgBlip xmlns:asvg="http://schemas.microsoft.com/office/drawing/2016/SVG/main" r:embed="rId3"/>
-                </a:ext>
-              </a:extLst>
-            </a:blip>
-            <a:stretch>
-              <a:fillRect l="0" t="0" r="0" b="0"/>
-            </a:stretch>
-          </a:blipFill>
-        </p:spPr>
-      </p:sp>
-      <p:sp>
-        <p:nvSpPr>
-          <p:cNvPr name="Freeform 3" id="3"/>
-          <p:cNvSpPr/>
-          <p:nvPr/>
-        </p:nvSpPr>
-        <p:spPr>
-          <a:xfrm flipH="false" flipV="false" rot="0">
-            <a:off x="-2449863" y="4711522"/>
-            <a:ext cx="7315200" cy="1064029"/>
-          </a:xfrm>
-          <a:custGeom>
-            <a:avLst/>
-            <a:gdLst/>
-            <a:ahLst/>
-            <a:cxnLst/>
-            <a:rect r="r" b="b" t="t" l="l"/>
-            <a:pathLst>
-              <a:path h="1064029" w="7315200">
-                <a:moveTo>
-                  <a:pt x="0" y="0"/>
-                </a:moveTo>
-                <a:lnTo>
-                  <a:pt x="7315200" y="0"/>
-                </a:lnTo>
-                <a:lnTo>
-                  <a:pt x="7315200" y="1064029"/>
-                </a:lnTo>
-                <a:lnTo>
-                  <a:pt x="0" y="1064029"/>
-                </a:lnTo>
-                <a:lnTo>
-                  <a:pt x="0" y="0"/>
-                </a:lnTo>
-                <a:close/>
-              </a:path>
-            </a:pathLst>
-          </a:custGeom>
-          <a:blipFill>
-            <a:blip r:embed="rId2">
-              <a:extLst>
-                <a:ext uri="{96DAC541-7B7A-43D3-8B79-37D633B846F1}">
-                  <asvg:svgBlip xmlns:asvg="http://schemas.microsoft.com/office/drawing/2016/SVG/main" r:embed="rId3"/>
-                </a:ext>
-              </a:extLst>
-            </a:blip>
-            <a:stretch>
-              <a:fillRect l="0" t="0" r="0" b="0"/>
-            </a:stretch>
-          </a:blipFill>
-        </p:spPr>
-      </p:sp>
-      <p:sp>
-        <p:nvSpPr>
-          <p:cNvPr name="Freeform 4" id="4"/>
-          <p:cNvSpPr/>
-          <p:nvPr/>
-        </p:nvSpPr>
-        <p:spPr>
-          <a:xfrm flipH="false" flipV="false" rot="0">
-            <a:off x="3957933" y="1979999"/>
-            <a:ext cx="10372134" cy="6327002"/>
-          </a:xfrm>
-          <a:custGeom>
-            <a:avLst/>
-            <a:gdLst/>
-            <a:ahLst/>
-            <a:cxnLst/>
-            <a:rect r="r" b="b" t="t" l="l"/>
-            <a:pathLst>
-              <a:path h="6327002" w="10372134">
-                <a:moveTo>
-                  <a:pt x="0" y="0"/>
-                </a:moveTo>
-                <a:lnTo>
-                  <a:pt x="10372134" y="0"/>
-                </a:lnTo>
-                <a:lnTo>
-                  <a:pt x="10372134" y="6327002"/>
-                </a:lnTo>
-                <a:lnTo>
-                  <a:pt x="0" y="6327002"/>
-                </a:lnTo>
-                <a:lnTo>
-                  <a:pt x="0" y="0"/>
-                </a:lnTo>
-                <a:close/>
-              </a:path>
-            </a:pathLst>
-          </a:custGeom>
-          <a:blipFill>
-            <a:blip r:embed="rId4">
-              <a:extLst>
-                <a:ext uri="{96DAC541-7B7A-43D3-8B79-37D633B846F1}">
-                  <asvg:svgBlip xmlns:asvg="http://schemas.microsoft.com/office/drawing/2016/SVG/main" r:embed="rId5"/>
-                </a:ext>
-              </a:extLst>
-            </a:blip>
-            <a:stretch>
-              <a:fillRect l="0" t="0" r="0" b="0"/>
-            </a:stretch>
-          </a:blipFill>
-        </p:spPr>
-      </p:sp>
-      <p:sp>
-        <p:nvSpPr>
-          <p:cNvPr name="TextBox 5" id="5"/>
-          <p:cNvSpPr txBox="true"/>
-          <p:nvPr/>
-        </p:nvSpPr>
-        <p:spPr>
-          <a:xfrm rot="0">
-            <a:off x="4586481" y="3937620"/>
-            <a:ext cx="9115037" cy="3126185"/>
-          </a:xfrm>
-          <a:prstGeom prst="rect">
-            <a:avLst/>
-          </a:prstGeom>
-        </p:spPr>
-        <p:txBody>
-          <a:bodyPr anchor="t" rtlCol="false" tIns="0" lIns="0" bIns="0" rIns="0">
-            <a:spAutoFit/>
-          </a:bodyPr>
-          <a:lstStyle/>
-          <a:p>
-            <a:pPr algn="ctr">
-              <a:lnSpc>
-                <a:spcPts val="11686"/>
-              </a:lnSpc>
-            </a:pPr>
-            <a:r>
-              <a:rPr lang="en-US" sz="14251">
-                <a:solidFill>
-                  <a:srgbClr val="06D0C4"/>
-                </a:solidFill>
-                <a:latin typeface="Barlow Semi-Bold"/>
-              </a:rPr>
-              <a:t>Objetivo </a:t>
-            </a:r>
-          </a:p>
-          <a:p>
-            <a:pPr algn="ctr" marL="0" indent="0" lvl="0">
-              <a:lnSpc>
-                <a:spcPts val="11686"/>
-              </a:lnSpc>
-            </a:pPr>
-            <a:r>
-              <a:rPr lang="en-US" sz="14251">
-                <a:solidFill>
-                  <a:srgbClr val="06D0C4"/>
-                </a:solidFill>
-                <a:latin typeface="Barlow Semi-Bold"/>
-              </a:rPr>
-              <a:t>Geral</a:t>
-            </a:r>
-          </a:p>
-        </p:txBody>
-      </p:sp>
-      <p:sp>
-        <p:nvSpPr>
-          <p:cNvPr name="Freeform 6" id="6"/>
-          <p:cNvSpPr/>
-          <p:nvPr/>
-        </p:nvSpPr>
-        <p:spPr>
-          <a:xfrm flipH="false" flipV="false" rot="0">
-            <a:off x="12821510" y="3908545"/>
-            <a:ext cx="2019152" cy="2469910"/>
-          </a:xfrm>
-          <a:custGeom>
-            <a:avLst/>
-            <a:gdLst/>
-            <a:ahLst/>
-            <a:cxnLst/>
-            <a:rect r="r" b="b" t="t" l="l"/>
-            <a:pathLst>
-              <a:path h="2469910" w="2019152">
-                <a:moveTo>
-                  <a:pt x="0" y="0"/>
-                </a:moveTo>
-                <a:lnTo>
-                  <a:pt x="2019151" y="0"/>
-                </a:lnTo>
-                <a:lnTo>
-                  <a:pt x="2019151" y="2469910"/>
-                </a:lnTo>
-                <a:lnTo>
-                  <a:pt x="0" y="2469910"/>
-                </a:lnTo>
-                <a:lnTo>
-                  <a:pt x="0" y="0"/>
-                </a:lnTo>
-                <a:close/>
-              </a:path>
-            </a:pathLst>
-          </a:custGeom>
-          <a:blipFill>
-            <a:blip r:embed="rId6">
-              <a:extLst>
-                <a:ext uri="{96DAC541-7B7A-43D3-8B79-37D633B846F1}">
-                  <asvg:svgBlip xmlns:asvg="http://schemas.microsoft.com/office/drawing/2016/SVG/main" r:embed="rId7"/>
-                </a:ext>
-              </a:extLst>
-            </a:blip>
-            <a:stretch>
-              <a:fillRect l="0" t="0" r="0" b="0"/>
-            </a:stretch>
-          </a:blipFill>
-        </p:spPr>
-      </p:sp>
-      <p:sp>
-        <p:nvSpPr>
-          <p:cNvPr name="Freeform 7" id="7"/>
-          <p:cNvSpPr/>
-          <p:nvPr/>
-        </p:nvSpPr>
-        <p:spPr>
-          <a:xfrm flipH="false" flipV="false" rot="0">
-            <a:off x="3026387" y="3768584"/>
-            <a:ext cx="1838951" cy="2749833"/>
-          </a:xfrm>
-          <a:custGeom>
-            <a:avLst/>
-            <a:gdLst/>
-            <a:ahLst/>
-            <a:cxnLst/>
-            <a:rect r="r" b="b" t="t" l="l"/>
-            <a:pathLst>
-              <a:path h="2749833" w="1838951">
-                <a:moveTo>
-                  <a:pt x="0" y="0"/>
-                </a:moveTo>
-                <a:lnTo>
-                  <a:pt x="1838950" y="0"/>
-                </a:lnTo>
-                <a:lnTo>
-                  <a:pt x="1838950" y="2749832"/>
-                </a:lnTo>
-                <a:lnTo>
-                  <a:pt x="0" y="2749832"/>
-                </a:lnTo>
-                <a:lnTo>
-                  <a:pt x="0" y="0"/>
-                </a:lnTo>
-                <a:close/>
-              </a:path>
-            </a:pathLst>
-          </a:custGeom>
-          <a:blipFill>
-            <a:blip r:embed="rId8">
-              <a:extLst>
-                <a:ext uri="{96DAC541-7B7A-43D3-8B79-37D633B846F1}">
-                  <asvg:svgBlip xmlns:asvg="http://schemas.microsoft.com/office/drawing/2016/SVG/main" r:embed="rId9"/>
-                </a:ext>
-              </a:extLst>
-            </a:blip>
-            <a:stretch>
-              <a:fillRect l="0" t="0" r="0" b="0"/>
-            </a:stretch>
-          </a:blipFill>
-        </p:spPr>
-      </p:sp>
-    </p:spTree>
-  </p:cSld>
-  <p:clrMapOvr>
-    <a:masterClrMapping/>
-  </p:clrMapOvr>
-</p:sld>
-</file>
-
-<file path=ppt/slides/slide3.xml><?xml version="1.0" encoding="utf-8"?>
+<file path=ppt/slides/slide10.xml><?xml version="1.0" encoding="utf-8"?>
 <p:sld xmlns:p="http://schemas.openxmlformats.org/presentationml/2006/main" xmlns:a="http://schemas.openxmlformats.org/drawingml/2006/main" xmlns:r="http://schemas.openxmlformats.org/officeDocument/2006/relationships">
   <p:cSld>
     <p:bg>
@@ -4174,8 +3759,8 @@
         </p:nvSpPr>
         <p:spPr>
           <a:xfrm rot="0">
-            <a:off x="4592753" y="3891020"/>
-            <a:ext cx="9102494" cy="2945586"/>
+            <a:off x="4592753" y="4171182"/>
+            <a:ext cx="9102494" cy="2394786"/>
           </a:xfrm>
           <a:prstGeom prst="rect">
             <a:avLst/>
@@ -4189,17 +3774,17 @@
           <a:p>
             <a:pPr algn="ctr">
               <a:lnSpc>
-                <a:spcPts val="5762"/>
+                <a:spcPts val="6154"/>
               </a:lnSpc>
             </a:pPr>
             <a:r>
-              <a:rPr lang="en-US" sz="5879" spc="23">
+              <a:rPr lang="en-US" sz="6279" spc="25">
                 <a:solidFill>
                   <a:srgbClr val="353B57"/>
                 </a:solidFill>
                 <a:latin typeface="Barlow"/>
               </a:rPr>
-              <a:t>Desenvolver um sistema web para cadastrar e gerir funcionários credenciados em eventos</a:t>
+              <a:t>Criação e gestão de relatórios ao término dos eventos</a:t>
             </a:r>
           </a:p>
         </p:txBody>
@@ -4368,7 +3953,7 @@
 </p:sld>
 </file>
 
-<file path=ppt/slides/slide4.xml><?xml version="1.0" encoding="utf-8"?>
+<file path=ppt/slides/slide2.xml><?xml version="1.0" encoding="utf-8"?>
 <p:sld xmlns:p="http://schemas.openxmlformats.org/presentationml/2006/main" xmlns:a="http://schemas.openxmlformats.org/drawingml/2006/main" xmlns:r="http://schemas.openxmlformats.org/officeDocument/2006/relationships">
   <p:cSld>
     <p:bg>
@@ -4579,9 +4164,9 @@
                 <a:solidFill>
                   <a:srgbClr val="06D0C4"/>
                 </a:solidFill>
-                <a:latin typeface="Barlow Bold"/>
+                <a:latin typeface="Barlow Semi-Bold"/>
               </a:rPr>
-              <a:t>Objetivo</a:t>
+              <a:t>Objetivo </a:t>
             </a:r>
           </a:p>
           <a:p>
@@ -4595,9 +4180,9 @@
                 <a:solidFill>
                   <a:srgbClr val="06D0C4"/>
                 </a:solidFill>
-                <a:latin typeface="Barlow Bold"/>
+                <a:latin typeface="Barlow Semi-Bold"/>
               </a:rPr>
-              <a:t>Específico</a:t>
+              <a:t>Geral</a:t>
             </a:r>
           </a:p>
         </p:txBody>
@@ -4714,7 +4299,7 @@
 </p:sld>
 </file>
 
-<file path=ppt/slides/slide5.xml><?xml version="1.0" encoding="utf-8"?>
+<file path=ppt/slides/slide3.xml><?xml version="1.0" encoding="utf-8"?>
 <p:sld xmlns:p="http://schemas.openxmlformats.org/presentationml/2006/main" xmlns:a="http://schemas.openxmlformats.org/drawingml/2006/main" xmlns:r="http://schemas.openxmlformats.org/officeDocument/2006/relationships">
   <p:cSld>
     <p:bg>
@@ -4866,8 +4451,8 @@
         </p:nvSpPr>
         <p:spPr>
           <a:xfrm rot="0">
-            <a:off x="4592753" y="3390132"/>
-            <a:ext cx="9102494" cy="3956886"/>
+            <a:off x="4592753" y="4252970"/>
+            <a:ext cx="9102494" cy="2221686"/>
           </a:xfrm>
           <a:prstGeom prst="rect">
             <a:avLst/>
@@ -4881,17 +4466,17 @@
           <a:p>
             <a:pPr algn="ctr">
               <a:lnSpc>
-                <a:spcPts val="6154"/>
+                <a:spcPts val="5762"/>
               </a:lnSpc>
             </a:pPr>
             <a:r>
-              <a:rPr lang="en-US" sz="6279" spc="25">
+              <a:rPr lang="en-US" sz="5879" spc="23">
                 <a:solidFill>
                   <a:srgbClr val="353B57"/>
                 </a:solidFill>
                 <a:latin typeface="Barlow"/>
               </a:rPr>
-              <a:t>Cadastrar e credenciar funcionários a partir de dados fornecidos pelas empresas prestadoras de serviço</a:t>
+              <a:t>Desenvolver uma aplicação web para credenciamento em eventos</a:t>
             </a:r>
           </a:p>
         </p:txBody>
@@ -5060,7 +4645,353 @@
 </p:sld>
 </file>
 
-<file path=ppt/slides/slide6.xml><?xml version="1.0" encoding="utf-8"?>
+<file path=ppt/slides/slide4.xml><?xml version="1.0" encoding="utf-8"?>
+<p:sld xmlns:p="http://schemas.openxmlformats.org/presentationml/2006/main" xmlns:a="http://schemas.openxmlformats.org/drawingml/2006/main" xmlns:r="http://schemas.openxmlformats.org/officeDocument/2006/relationships">
+  <p:cSld>
+    <p:bg>
+      <p:bgPr>
+        <a:solidFill>
+          <a:srgbClr val="4C5270"/>
+        </a:solidFill>
+      </p:bgPr>
+    </p:bg>
+    <p:spTree>
+      <p:nvGrpSpPr>
+        <p:cNvPr id="1" name=""/>
+        <p:cNvGrpSpPr/>
+        <p:nvPr/>
+      </p:nvGrpSpPr>
+      <p:grpSpPr>
+        <a:xfrm>
+          <a:off x="0" y="0"/>
+          <a:ext cx="0" cy="0"/>
+          <a:chOff x="0" y="0"/>
+          <a:chExt cx="0" cy="0"/>
+        </a:xfrm>
+      </p:grpSpPr>
+      <p:sp>
+        <p:nvSpPr>
+          <p:cNvPr name="Freeform 2" id="2"/>
+          <p:cNvSpPr/>
+          <p:nvPr/>
+        </p:nvSpPr>
+        <p:spPr>
+          <a:xfrm flipH="false" flipV="false" rot="0">
+            <a:off x="14089575" y="4711522"/>
+            <a:ext cx="7315200" cy="1064029"/>
+          </a:xfrm>
+          <a:custGeom>
+            <a:avLst/>
+            <a:gdLst/>
+            <a:ahLst/>
+            <a:cxnLst/>
+            <a:rect r="r" b="b" t="t" l="l"/>
+            <a:pathLst>
+              <a:path h="1064029" w="7315200">
+                <a:moveTo>
+                  <a:pt x="0" y="0"/>
+                </a:moveTo>
+                <a:lnTo>
+                  <a:pt x="7315200" y="0"/>
+                </a:lnTo>
+                <a:lnTo>
+                  <a:pt x="7315200" y="1064029"/>
+                </a:lnTo>
+                <a:lnTo>
+                  <a:pt x="0" y="1064029"/>
+                </a:lnTo>
+                <a:lnTo>
+                  <a:pt x="0" y="0"/>
+                </a:lnTo>
+                <a:close/>
+              </a:path>
+            </a:pathLst>
+          </a:custGeom>
+          <a:blipFill>
+            <a:blip r:embed="rId2">
+              <a:extLst>
+                <a:ext uri="{96DAC541-7B7A-43D3-8B79-37D633B846F1}">
+                  <asvg:svgBlip xmlns:asvg="http://schemas.microsoft.com/office/drawing/2016/SVG/main" r:embed="rId3"/>
+                </a:ext>
+              </a:extLst>
+            </a:blip>
+            <a:stretch>
+              <a:fillRect l="0" t="0" r="0" b="0"/>
+            </a:stretch>
+          </a:blipFill>
+        </p:spPr>
+      </p:sp>
+      <p:sp>
+        <p:nvSpPr>
+          <p:cNvPr name="Freeform 3" id="3"/>
+          <p:cNvSpPr/>
+          <p:nvPr/>
+        </p:nvSpPr>
+        <p:spPr>
+          <a:xfrm flipH="false" flipV="false" rot="0">
+            <a:off x="-2449863" y="4711522"/>
+            <a:ext cx="7315200" cy="1064029"/>
+          </a:xfrm>
+          <a:custGeom>
+            <a:avLst/>
+            <a:gdLst/>
+            <a:ahLst/>
+            <a:cxnLst/>
+            <a:rect r="r" b="b" t="t" l="l"/>
+            <a:pathLst>
+              <a:path h="1064029" w="7315200">
+                <a:moveTo>
+                  <a:pt x="0" y="0"/>
+                </a:moveTo>
+                <a:lnTo>
+                  <a:pt x="7315200" y="0"/>
+                </a:lnTo>
+                <a:lnTo>
+                  <a:pt x="7315200" y="1064029"/>
+                </a:lnTo>
+                <a:lnTo>
+                  <a:pt x="0" y="1064029"/>
+                </a:lnTo>
+                <a:lnTo>
+                  <a:pt x="0" y="0"/>
+                </a:lnTo>
+                <a:close/>
+              </a:path>
+            </a:pathLst>
+          </a:custGeom>
+          <a:blipFill>
+            <a:blip r:embed="rId2">
+              <a:extLst>
+                <a:ext uri="{96DAC541-7B7A-43D3-8B79-37D633B846F1}">
+                  <asvg:svgBlip xmlns:asvg="http://schemas.microsoft.com/office/drawing/2016/SVG/main" r:embed="rId3"/>
+                </a:ext>
+              </a:extLst>
+            </a:blip>
+            <a:stretch>
+              <a:fillRect l="0" t="0" r="0" b="0"/>
+            </a:stretch>
+          </a:blipFill>
+        </p:spPr>
+      </p:sp>
+      <p:sp>
+        <p:nvSpPr>
+          <p:cNvPr name="Freeform 4" id="4"/>
+          <p:cNvSpPr/>
+          <p:nvPr/>
+        </p:nvSpPr>
+        <p:spPr>
+          <a:xfrm flipH="false" flipV="false" rot="0">
+            <a:off x="3957933" y="1979999"/>
+            <a:ext cx="10372134" cy="6327002"/>
+          </a:xfrm>
+          <a:custGeom>
+            <a:avLst/>
+            <a:gdLst/>
+            <a:ahLst/>
+            <a:cxnLst/>
+            <a:rect r="r" b="b" t="t" l="l"/>
+            <a:pathLst>
+              <a:path h="6327002" w="10372134">
+                <a:moveTo>
+                  <a:pt x="0" y="0"/>
+                </a:moveTo>
+                <a:lnTo>
+                  <a:pt x="10372134" y="0"/>
+                </a:lnTo>
+                <a:lnTo>
+                  <a:pt x="10372134" y="6327002"/>
+                </a:lnTo>
+                <a:lnTo>
+                  <a:pt x="0" y="6327002"/>
+                </a:lnTo>
+                <a:lnTo>
+                  <a:pt x="0" y="0"/>
+                </a:lnTo>
+                <a:close/>
+              </a:path>
+            </a:pathLst>
+          </a:custGeom>
+          <a:blipFill>
+            <a:blip r:embed="rId4">
+              <a:extLst>
+                <a:ext uri="{96DAC541-7B7A-43D3-8B79-37D633B846F1}">
+                  <asvg:svgBlip xmlns:asvg="http://schemas.microsoft.com/office/drawing/2016/SVG/main" r:embed="rId5"/>
+                </a:ext>
+              </a:extLst>
+            </a:blip>
+            <a:stretch>
+              <a:fillRect l="0" t="0" r="0" b="0"/>
+            </a:stretch>
+          </a:blipFill>
+        </p:spPr>
+      </p:sp>
+      <p:sp>
+        <p:nvSpPr>
+          <p:cNvPr name="TextBox 5" id="5"/>
+          <p:cNvSpPr txBox="true"/>
+          <p:nvPr/>
+        </p:nvSpPr>
+        <p:spPr>
+          <a:xfrm rot="0">
+            <a:off x="4586481" y="3937620"/>
+            <a:ext cx="9115037" cy="3126185"/>
+          </a:xfrm>
+          <a:prstGeom prst="rect">
+            <a:avLst/>
+          </a:prstGeom>
+        </p:spPr>
+        <p:txBody>
+          <a:bodyPr anchor="t" rtlCol="false" tIns="0" lIns="0" bIns="0" rIns="0">
+            <a:spAutoFit/>
+          </a:bodyPr>
+          <a:lstStyle/>
+          <a:p>
+            <a:pPr algn="ctr">
+              <a:lnSpc>
+                <a:spcPts val="11686"/>
+              </a:lnSpc>
+            </a:pPr>
+            <a:r>
+              <a:rPr lang="en-US" sz="14251">
+                <a:solidFill>
+                  <a:srgbClr val="06D0C4"/>
+                </a:solidFill>
+                <a:latin typeface="Barlow Bold"/>
+              </a:rPr>
+              <a:t>Objetivo</a:t>
+            </a:r>
+          </a:p>
+          <a:p>
+            <a:pPr algn="ctr" marL="0" indent="0" lvl="0">
+              <a:lnSpc>
+                <a:spcPts val="11686"/>
+              </a:lnSpc>
+            </a:pPr>
+            <a:r>
+              <a:rPr lang="en-US" sz="14251">
+                <a:solidFill>
+                  <a:srgbClr val="06D0C4"/>
+                </a:solidFill>
+                <a:latin typeface="Barlow Bold"/>
+              </a:rPr>
+              <a:t>Específico</a:t>
+            </a:r>
+          </a:p>
+        </p:txBody>
+      </p:sp>
+      <p:sp>
+        <p:nvSpPr>
+          <p:cNvPr name="Freeform 6" id="6"/>
+          <p:cNvSpPr/>
+          <p:nvPr/>
+        </p:nvSpPr>
+        <p:spPr>
+          <a:xfrm flipH="false" flipV="false" rot="0">
+            <a:off x="12821510" y="3908545"/>
+            <a:ext cx="2019152" cy="2469910"/>
+          </a:xfrm>
+          <a:custGeom>
+            <a:avLst/>
+            <a:gdLst/>
+            <a:ahLst/>
+            <a:cxnLst/>
+            <a:rect r="r" b="b" t="t" l="l"/>
+            <a:pathLst>
+              <a:path h="2469910" w="2019152">
+                <a:moveTo>
+                  <a:pt x="0" y="0"/>
+                </a:moveTo>
+                <a:lnTo>
+                  <a:pt x="2019151" y="0"/>
+                </a:lnTo>
+                <a:lnTo>
+                  <a:pt x="2019151" y="2469910"/>
+                </a:lnTo>
+                <a:lnTo>
+                  <a:pt x="0" y="2469910"/>
+                </a:lnTo>
+                <a:lnTo>
+                  <a:pt x="0" y="0"/>
+                </a:lnTo>
+                <a:close/>
+              </a:path>
+            </a:pathLst>
+          </a:custGeom>
+          <a:blipFill>
+            <a:blip r:embed="rId6">
+              <a:extLst>
+                <a:ext uri="{96DAC541-7B7A-43D3-8B79-37D633B846F1}">
+                  <asvg:svgBlip xmlns:asvg="http://schemas.microsoft.com/office/drawing/2016/SVG/main" r:embed="rId7"/>
+                </a:ext>
+              </a:extLst>
+            </a:blip>
+            <a:stretch>
+              <a:fillRect l="0" t="0" r="0" b="0"/>
+            </a:stretch>
+          </a:blipFill>
+        </p:spPr>
+      </p:sp>
+      <p:sp>
+        <p:nvSpPr>
+          <p:cNvPr name="Freeform 7" id="7"/>
+          <p:cNvSpPr/>
+          <p:nvPr/>
+        </p:nvSpPr>
+        <p:spPr>
+          <a:xfrm flipH="false" flipV="false" rot="0">
+            <a:off x="3026387" y="3768584"/>
+            <a:ext cx="1838951" cy="2749833"/>
+          </a:xfrm>
+          <a:custGeom>
+            <a:avLst/>
+            <a:gdLst/>
+            <a:ahLst/>
+            <a:cxnLst/>
+            <a:rect r="r" b="b" t="t" l="l"/>
+            <a:pathLst>
+              <a:path h="2749833" w="1838951">
+                <a:moveTo>
+                  <a:pt x="0" y="0"/>
+                </a:moveTo>
+                <a:lnTo>
+                  <a:pt x="1838950" y="0"/>
+                </a:lnTo>
+                <a:lnTo>
+                  <a:pt x="1838950" y="2749832"/>
+                </a:lnTo>
+                <a:lnTo>
+                  <a:pt x="0" y="2749832"/>
+                </a:lnTo>
+                <a:lnTo>
+                  <a:pt x="0" y="0"/>
+                </a:lnTo>
+                <a:close/>
+              </a:path>
+            </a:pathLst>
+          </a:custGeom>
+          <a:blipFill>
+            <a:blip r:embed="rId8">
+              <a:extLst>
+                <a:ext uri="{96DAC541-7B7A-43D3-8B79-37D633B846F1}">
+                  <asvg:svgBlip xmlns:asvg="http://schemas.microsoft.com/office/drawing/2016/SVG/main" r:embed="rId9"/>
+                </a:ext>
+              </a:extLst>
+            </a:blip>
+            <a:stretch>
+              <a:fillRect l="0" t="0" r="0" b="0"/>
+            </a:stretch>
+          </a:blipFill>
+        </p:spPr>
+      </p:sp>
+    </p:spTree>
+  </p:cSld>
+  <p:clrMapOvr>
+    <a:masterClrMapping/>
+  </p:clrMapOvr>
+</p:sld>
+</file>
+
+<file path=ppt/slides/slide5.xml><?xml version="1.0" encoding="utf-8"?>
 <p:sld xmlns:p="http://schemas.openxmlformats.org/presentationml/2006/main" xmlns:a="http://schemas.openxmlformats.org/drawingml/2006/main" xmlns:r="http://schemas.openxmlformats.org/officeDocument/2006/relationships">
   <p:cSld>
     <p:bg>
@@ -5212,8 +5143,8 @@
         </p:nvSpPr>
         <p:spPr>
           <a:xfrm rot="0">
-            <a:off x="4592753" y="3780657"/>
-            <a:ext cx="9102494" cy="3175836"/>
+            <a:off x="4592753" y="4561707"/>
+            <a:ext cx="9102494" cy="1613736"/>
           </a:xfrm>
           <a:prstGeom prst="rect">
             <a:avLst/>
@@ -5237,7 +5168,7 @@
                 </a:solidFill>
                 <a:latin typeface="Barlow"/>
               </a:rPr>
-              <a:t>Registrar horários de entradas e saídas dos credenciados para controle interno</a:t>
+              <a:t>Cadastro e login de empresas de eventos</a:t>
             </a:r>
           </a:p>
         </p:txBody>
@@ -5406,7 +5337,7 @@
 </p:sld>
 </file>
 
-<file path=ppt/slides/slide7.xml><?xml version="1.0" encoding="utf-8"?>
+<file path=ppt/slides/slide6.xml><?xml version="1.0" encoding="utf-8"?>
 <p:sld xmlns:p="http://schemas.openxmlformats.org/presentationml/2006/main" xmlns:a="http://schemas.openxmlformats.org/drawingml/2006/main" xmlns:r="http://schemas.openxmlformats.org/officeDocument/2006/relationships">
   <p:cSld>
     <p:bg>
@@ -5583,7 +5514,1045 @@
                 </a:solidFill>
                 <a:latin typeface="Barlow"/>
               </a:rPr>
-              <a:t>Gerar relatório carga horária para as empresas ao término do evento</a:t>
+              <a:t>Cadastro e gerenciamento de eventos</a:t>
+            </a:r>
+          </a:p>
+        </p:txBody>
+      </p:sp>
+      <p:sp>
+        <p:nvSpPr>
+          <p:cNvPr name="Freeform 6" id="6"/>
+          <p:cNvSpPr/>
+          <p:nvPr/>
+        </p:nvSpPr>
+        <p:spPr>
+          <a:xfrm flipH="false" flipV="false" rot="0">
+            <a:off x="2312507" y="1255922"/>
+            <a:ext cx="2668303" cy="2993889"/>
+          </a:xfrm>
+          <a:custGeom>
+            <a:avLst/>
+            <a:gdLst/>
+            <a:ahLst/>
+            <a:cxnLst/>
+            <a:rect r="r" b="b" t="t" l="l"/>
+            <a:pathLst>
+              <a:path h="2993889" w="2668303">
+                <a:moveTo>
+                  <a:pt x="0" y="0"/>
+                </a:moveTo>
+                <a:lnTo>
+                  <a:pt x="2668304" y="0"/>
+                </a:lnTo>
+                <a:lnTo>
+                  <a:pt x="2668304" y="2993889"/>
+                </a:lnTo>
+                <a:lnTo>
+                  <a:pt x="0" y="2993889"/>
+                </a:lnTo>
+                <a:lnTo>
+                  <a:pt x="0" y="0"/>
+                </a:lnTo>
+                <a:close/>
+              </a:path>
+            </a:pathLst>
+          </a:custGeom>
+          <a:blipFill>
+            <a:blip r:embed="rId2">
+              <a:extLst>
+                <a:ext uri="{96DAC541-7B7A-43D3-8B79-37D633B846F1}">
+                  <asvg:svgBlip xmlns:asvg="http://schemas.microsoft.com/office/drawing/2016/SVG/main" r:embed="rId3"/>
+                </a:ext>
+              </a:extLst>
+            </a:blip>
+            <a:stretch>
+              <a:fillRect l="0" t="0" r="0" b="0"/>
+            </a:stretch>
+          </a:blipFill>
+        </p:spPr>
+      </p:sp>
+      <p:sp>
+        <p:nvSpPr>
+          <p:cNvPr name="Freeform 7" id="7"/>
+          <p:cNvSpPr/>
+          <p:nvPr/>
+        </p:nvSpPr>
+        <p:spPr>
+          <a:xfrm flipH="false" flipV="false" rot="-7463187">
+            <a:off x="13050465" y="-434340"/>
+            <a:ext cx="7315200" cy="2926080"/>
+          </a:xfrm>
+          <a:custGeom>
+            <a:avLst/>
+            <a:gdLst/>
+            <a:ahLst/>
+            <a:cxnLst/>
+            <a:rect r="r" b="b" t="t" l="l"/>
+            <a:pathLst>
+              <a:path h="2926080" w="7315200">
+                <a:moveTo>
+                  <a:pt x="0" y="0"/>
+                </a:moveTo>
+                <a:lnTo>
+                  <a:pt x="7315200" y="0"/>
+                </a:lnTo>
+                <a:lnTo>
+                  <a:pt x="7315200" y="2926080"/>
+                </a:lnTo>
+                <a:lnTo>
+                  <a:pt x="0" y="2926080"/>
+                </a:lnTo>
+                <a:lnTo>
+                  <a:pt x="0" y="0"/>
+                </a:lnTo>
+                <a:close/>
+              </a:path>
+            </a:pathLst>
+          </a:custGeom>
+          <a:blipFill>
+            <a:blip r:embed="rId4">
+              <a:extLst>
+                <a:ext uri="{96DAC541-7B7A-43D3-8B79-37D633B846F1}">
+                  <asvg:svgBlip xmlns:asvg="http://schemas.microsoft.com/office/drawing/2016/SVG/main" r:embed="rId5"/>
+                </a:ext>
+              </a:extLst>
+            </a:blip>
+            <a:stretch>
+              <a:fillRect l="0" t="0" r="0" b="0"/>
+            </a:stretch>
+          </a:blipFill>
+        </p:spPr>
+      </p:sp>
+      <p:sp>
+        <p:nvSpPr>
+          <p:cNvPr name="Freeform 8" id="8"/>
+          <p:cNvSpPr/>
+          <p:nvPr/>
+        </p:nvSpPr>
+        <p:spPr>
+          <a:xfrm flipH="false" flipV="false" rot="-7463187">
+            <a:off x="-1949869" y="7255075"/>
+            <a:ext cx="7315200" cy="2926080"/>
+          </a:xfrm>
+          <a:custGeom>
+            <a:avLst/>
+            <a:gdLst/>
+            <a:ahLst/>
+            <a:cxnLst/>
+            <a:rect r="r" b="b" t="t" l="l"/>
+            <a:pathLst>
+              <a:path h="2926080" w="7315200">
+                <a:moveTo>
+                  <a:pt x="0" y="0"/>
+                </a:moveTo>
+                <a:lnTo>
+                  <a:pt x="7315200" y="0"/>
+                </a:lnTo>
+                <a:lnTo>
+                  <a:pt x="7315200" y="2926080"/>
+                </a:lnTo>
+                <a:lnTo>
+                  <a:pt x="0" y="2926080"/>
+                </a:lnTo>
+                <a:lnTo>
+                  <a:pt x="0" y="0"/>
+                </a:lnTo>
+                <a:close/>
+              </a:path>
+            </a:pathLst>
+          </a:custGeom>
+          <a:blipFill>
+            <a:blip r:embed="rId4">
+              <a:extLst>
+                <a:ext uri="{96DAC541-7B7A-43D3-8B79-37D633B846F1}">
+                  <asvg:svgBlip xmlns:asvg="http://schemas.microsoft.com/office/drawing/2016/SVG/main" r:embed="rId5"/>
+                </a:ext>
+              </a:extLst>
+            </a:blip>
+            <a:stretch>
+              <a:fillRect l="0" t="0" r="0" b="0"/>
+            </a:stretch>
+          </a:blipFill>
+        </p:spPr>
+      </p:sp>
+    </p:spTree>
+  </p:cSld>
+  <p:clrMapOvr>
+    <a:masterClrMapping/>
+  </p:clrMapOvr>
+</p:sld>
+</file>
+
+<file path=ppt/slides/slide7.xml><?xml version="1.0" encoding="utf-8"?>
+<p:sld xmlns:p="http://schemas.openxmlformats.org/presentationml/2006/main" xmlns:a="http://schemas.openxmlformats.org/drawingml/2006/main" xmlns:r="http://schemas.openxmlformats.org/officeDocument/2006/relationships">
+  <p:cSld>
+    <p:bg>
+      <p:bgPr>
+        <a:solidFill>
+          <a:srgbClr val="4C5270"/>
+        </a:solidFill>
+      </p:bgPr>
+    </p:bg>
+    <p:spTree>
+      <p:nvGrpSpPr>
+        <p:cNvPr id="1" name=""/>
+        <p:cNvGrpSpPr/>
+        <p:nvPr/>
+      </p:nvGrpSpPr>
+      <p:grpSpPr>
+        <a:xfrm>
+          <a:off x="0" y="0"/>
+          <a:ext cx="0" cy="0"/>
+          <a:chOff x="0" y="0"/>
+          <a:chExt cx="0" cy="0"/>
+        </a:xfrm>
+      </p:grpSpPr>
+      <p:grpSp>
+        <p:nvGrpSpPr>
+          <p:cNvPr name="Group 2" id="2"/>
+          <p:cNvGrpSpPr/>
+          <p:nvPr/>
+        </p:nvGrpSpPr>
+        <p:grpSpPr>
+          <a:xfrm rot="0">
+            <a:off x="4011302" y="2281030"/>
+            <a:ext cx="10265396" cy="6051266"/>
+            <a:chOff x="0" y="0"/>
+            <a:chExt cx="2046526" cy="1206390"/>
+          </a:xfrm>
+        </p:grpSpPr>
+        <p:sp>
+          <p:nvSpPr>
+            <p:cNvPr name="Freeform 3" id="3"/>
+            <p:cNvSpPr/>
+            <p:nvPr/>
+          </p:nvSpPr>
+          <p:spPr>
+            <a:xfrm flipH="false" flipV="false" rot="0">
+              <a:off x="0" y="0"/>
+              <a:ext cx="2046526" cy="1206390"/>
+            </a:xfrm>
+            <a:custGeom>
+              <a:avLst/>
+              <a:gdLst/>
+              <a:ahLst/>
+              <a:cxnLst/>
+              <a:rect r="r" b="b" t="t" l="l"/>
+              <a:pathLst>
+                <a:path h="1206390" w="2046526">
+                  <a:moveTo>
+                    <a:pt x="75418" y="0"/>
+                  </a:moveTo>
+                  <a:lnTo>
+                    <a:pt x="1971108" y="0"/>
+                  </a:lnTo>
+                  <a:cubicBezTo>
+                    <a:pt x="2012760" y="0"/>
+                    <a:pt x="2046526" y="33766"/>
+                    <a:pt x="2046526" y="75418"/>
+                  </a:cubicBezTo>
+                  <a:lnTo>
+                    <a:pt x="2046526" y="1130972"/>
+                  </a:lnTo>
+                  <a:cubicBezTo>
+                    <a:pt x="2046526" y="1150975"/>
+                    <a:pt x="2038580" y="1170157"/>
+                    <a:pt x="2024437" y="1184301"/>
+                  </a:cubicBezTo>
+                  <a:cubicBezTo>
+                    <a:pt x="2010293" y="1198444"/>
+                    <a:pt x="1991110" y="1206390"/>
+                    <a:pt x="1971108" y="1206390"/>
+                  </a:cubicBezTo>
+                  <a:lnTo>
+                    <a:pt x="75418" y="1206390"/>
+                  </a:lnTo>
+                  <a:cubicBezTo>
+                    <a:pt x="33766" y="1206390"/>
+                    <a:pt x="0" y="1172624"/>
+                    <a:pt x="0" y="1130972"/>
+                  </a:cubicBezTo>
+                  <a:lnTo>
+                    <a:pt x="0" y="75418"/>
+                  </a:lnTo>
+                  <a:cubicBezTo>
+                    <a:pt x="0" y="33766"/>
+                    <a:pt x="33766" y="0"/>
+                    <a:pt x="75418" y="0"/>
+                  </a:cubicBezTo>
+                  <a:close/>
+                </a:path>
+              </a:pathLst>
+            </a:custGeom>
+            <a:solidFill>
+              <a:srgbClr val="FFFFFF"/>
+            </a:solidFill>
+            <a:ln w="142875" cap="rnd">
+              <a:solidFill>
+                <a:srgbClr val="1B548D"/>
+              </a:solidFill>
+              <a:prstDash val="solid"/>
+              <a:round/>
+            </a:ln>
+          </p:spPr>
+        </p:sp>
+        <p:sp>
+          <p:nvSpPr>
+            <p:cNvPr name="TextBox 4" id="4"/>
+            <p:cNvSpPr txBox="true"/>
+            <p:nvPr/>
+          </p:nvSpPr>
+          <p:spPr>
+            <a:xfrm>
+              <a:off x="0" y="-47625"/>
+              <a:ext cx="2046526" cy="1254015"/>
+            </a:xfrm>
+            <a:prstGeom prst="rect">
+              <a:avLst/>
+            </a:prstGeom>
+          </p:spPr>
+          <p:txBody>
+            <a:bodyPr anchor="ctr" rtlCol="false" tIns="50800" lIns="50800" bIns="50800" rIns="50800"/>
+            <a:lstStyle/>
+            <a:p>
+              <a:pPr algn="ctr">
+                <a:lnSpc>
+                  <a:spcPts val="2659"/>
+                </a:lnSpc>
+                <a:spcBef>
+                  <a:spcPct val="0"/>
+                </a:spcBef>
+              </a:pPr>
+            </a:p>
+          </p:txBody>
+        </p:sp>
+      </p:grpSp>
+      <p:sp>
+        <p:nvSpPr>
+          <p:cNvPr name="TextBox 5" id="5"/>
+          <p:cNvSpPr txBox="true"/>
+          <p:nvPr/>
+        </p:nvSpPr>
+        <p:spPr>
+          <a:xfrm rot="0">
+            <a:off x="4592753" y="4561707"/>
+            <a:ext cx="9102494" cy="1613736"/>
+          </a:xfrm>
+          <a:prstGeom prst="rect">
+            <a:avLst/>
+          </a:prstGeom>
+        </p:spPr>
+        <p:txBody>
+          <a:bodyPr anchor="t" rtlCol="false" tIns="0" lIns="0" bIns="0" rIns="0">
+            <a:spAutoFit/>
+          </a:bodyPr>
+          <a:lstStyle/>
+          <a:p>
+            <a:pPr algn="ctr">
+              <a:lnSpc>
+                <a:spcPts val="6154"/>
+              </a:lnSpc>
+            </a:pPr>
+            <a:r>
+              <a:rPr lang="en-US" sz="6279" spc="25">
+                <a:solidFill>
+                  <a:srgbClr val="353B57"/>
+                </a:solidFill>
+                <a:latin typeface="Barlow"/>
+              </a:rPr>
+              <a:t>Cadastro de prestadores de serviço</a:t>
+            </a:r>
+          </a:p>
+        </p:txBody>
+      </p:sp>
+      <p:sp>
+        <p:nvSpPr>
+          <p:cNvPr name="Freeform 6" id="6"/>
+          <p:cNvSpPr/>
+          <p:nvPr/>
+        </p:nvSpPr>
+        <p:spPr>
+          <a:xfrm flipH="false" flipV="false" rot="0">
+            <a:off x="2312507" y="1255922"/>
+            <a:ext cx="2668303" cy="2993889"/>
+          </a:xfrm>
+          <a:custGeom>
+            <a:avLst/>
+            <a:gdLst/>
+            <a:ahLst/>
+            <a:cxnLst/>
+            <a:rect r="r" b="b" t="t" l="l"/>
+            <a:pathLst>
+              <a:path h="2993889" w="2668303">
+                <a:moveTo>
+                  <a:pt x="0" y="0"/>
+                </a:moveTo>
+                <a:lnTo>
+                  <a:pt x="2668304" y="0"/>
+                </a:lnTo>
+                <a:lnTo>
+                  <a:pt x="2668304" y="2993889"/>
+                </a:lnTo>
+                <a:lnTo>
+                  <a:pt x="0" y="2993889"/>
+                </a:lnTo>
+                <a:lnTo>
+                  <a:pt x="0" y="0"/>
+                </a:lnTo>
+                <a:close/>
+              </a:path>
+            </a:pathLst>
+          </a:custGeom>
+          <a:blipFill>
+            <a:blip r:embed="rId2">
+              <a:extLst>
+                <a:ext uri="{96DAC541-7B7A-43D3-8B79-37D633B846F1}">
+                  <asvg:svgBlip xmlns:asvg="http://schemas.microsoft.com/office/drawing/2016/SVG/main" r:embed="rId3"/>
+                </a:ext>
+              </a:extLst>
+            </a:blip>
+            <a:stretch>
+              <a:fillRect l="0" t="0" r="0" b="0"/>
+            </a:stretch>
+          </a:blipFill>
+        </p:spPr>
+      </p:sp>
+      <p:sp>
+        <p:nvSpPr>
+          <p:cNvPr name="Freeform 7" id="7"/>
+          <p:cNvSpPr/>
+          <p:nvPr/>
+        </p:nvSpPr>
+        <p:spPr>
+          <a:xfrm flipH="false" flipV="false" rot="-7463187">
+            <a:off x="13050465" y="-434340"/>
+            <a:ext cx="7315200" cy="2926080"/>
+          </a:xfrm>
+          <a:custGeom>
+            <a:avLst/>
+            <a:gdLst/>
+            <a:ahLst/>
+            <a:cxnLst/>
+            <a:rect r="r" b="b" t="t" l="l"/>
+            <a:pathLst>
+              <a:path h="2926080" w="7315200">
+                <a:moveTo>
+                  <a:pt x="0" y="0"/>
+                </a:moveTo>
+                <a:lnTo>
+                  <a:pt x="7315200" y="0"/>
+                </a:lnTo>
+                <a:lnTo>
+                  <a:pt x="7315200" y="2926080"/>
+                </a:lnTo>
+                <a:lnTo>
+                  <a:pt x="0" y="2926080"/>
+                </a:lnTo>
+                <a:lnTo>
+                  <a:pt x="0" y="0"/>
+                </a:lnTo>
+                <a:close/>
+              </a:path>
+            </a:pathLst>
+          </a:custGeom>
+          <a:blipFill>
+            <a:blip r:embed="rId4">
+              <a:extLst>
+                <a:ext uri="{96DAC541-7B7A-43D3-8B79-37D633B846F1}">
+                  <asvg:svgBlip xmlns:asvg="http://schemas.microsoft.com/office/drawing/2016/SVG/main" r:embed="rId5"/>
+                </a:ext>
+              </a:extLst>
+            </a:blip>
+            <a:stretch>
+              <a:fillRect l="0" t="0" r="0" b="0"/>
+            </a:stretch>
+          </a:blipFill>
+        </p:spPr>
+      </p:sp>
+      <p:sp>
+        <p:nvSpPr>
+          <p:cNvPr name="Freeform 8" id="8"/>
+          <p:cNvSpPr/>
+          <p:nvPr/>
+        </p:nvSpPr>
+        <p:spPr>
+          <a:xfrm flipH="false" flipV="false" rot="-7463187">
+            <a:off x="-1949869" y="7255075"/>
+            <a:ext cx="7315200" cy="2926080"/>
+          </a:xfrm>
+          <a:custGeom>
+            <a:avLst/>
+            <a:gdLst/>
+            <a:ahLst/>
+            <a:cxnLst/>
+            <a:rect r="r" b="b" t="t" l="l"/>
+            <a:pathLst>
+              <a:path h="2926080" w="7315200">
+                <a:moveTo>
+                  <a:pt x="0" y="0"/>
+                </a:moveTo>
+                <a:lnTo>
+                  <a:pt x="7315200" y="0"/>
+                </a:lnTo>
+                <a:lnTo>
+                  <a:pt x="7315200" y="2926080"/>
+                </a:lnTo>
+                <a:lnTo>
+                  <a:pt x="0" y="2926080"/>
+                </a:lnTo>
+                <a:lnTo>
+                  <a:pt x="0" y="0"/>
+                </a:lnTo>
+                <a:close/>
+              </a:path>
+            </a:pathLst>
+          </a:custGeom>
+          <a:blipFill>
+            <a:blip r:embed="rId4">
+              <a:extLst>
+                <a:ext uri="{96DAC541-7B7A-43D3-8B79-37D633B846F1}">
+                  <asvg:svgBlip xmlns:asvg="http://schemas.microsoft.com/office/drawing/2016/SVG/main" r:embed="rId5"/>
+                </a:ext>
+              </a:extLst>
+            </a:blip>
+            <a:stretch>
+              <a:fillRect l="0" t="0" r="0" b="0"/>
+            </a:stretch>
+          </a:blipFill>
+        </p:spPr>
+      </p:sp>
+    </p:spTree>
+  </p:cSld>
+  <p:clrMapOvr>
+    <a:masterClrMapping/>
+  </p:clrMapOvr>
+</p:sld>
+</file>
+
+<file path=ppt/slides/slide8.xml><?xml version="1.0" encoding="utf-8"?>
+<p:sld xmlns:p="http://schemas.openxmlformats.org/presentationml/2006/main" xmlns:a="http://schemas.openxmlformats.org/drawingml/2006/main" xmlns:r="http://schemas.openxmlformats.org/officeDocument/2006/relationships">
+  <p:cSld>
+    <p:bg>
+      <p:bgPr>
+        <a:solidFill>
+          <a:srgbClr val="4C5270"/>
+        </a:solidFill>
+      </p:bgPr>
+    </p:bg>
+    <p:spTree>
+      <p:nvGrpSpPr>
+        <p:cNvPr id="1" name=""/>
+        <p:cNvGrpSpPr/>
+        <p:nvPr/>
+      </p:nvGrpSpPr>
+      <p:grpSpPr>
+        <a:xfrm>
+          <a:off x="0" y="0"/>
+          <a:ext cx="0" cy="0"/>
+          <a:chOff x="0" y="0"/>
+          <a:chExt cx="0" cy="0"/>
+        </a:xfrm>
+      </p:grpSpPr>
+      <p:grpSp>
+        <p:nvGrpSpPr>
+          <p:cNvPr name="Group 2" id="2"/>
+          <p:cNvGrpSpPr/>
+          <p:nvPr/>
+        </p:nvGrpSpPr>
+        <p:grpSpPr>
+          <a:xfrm rot="0">
+            <a:off x="4011302" y="2281030"/>
+            <a:ext cx="10265396" cy="6051266"/>
+            <a:chOff x="0" y="0"/>
+            <a:chExt cx="2046526" cy="1206390"/>
+          </a:xfrm>
+        </p:grpSpPr>
+        <p:sp>
+          <p:nvSpPr>
+            <p:cNvPr name="Freeform 3" id="3"/>
+            <p:cNvSpPr/>
+            <p:nvPr/>
+          </p:nvSpPr>
+          <p:spPr>
+            <a:xfrm flipH="false" flipV="false" rot="0">
+              <a:off x="0" y="0"/>
+              <a:ext cx="2046526" cy="1206390"/>
+            </a:xfrm>
+            <a:custGeom>
+              <a:avLst/>
+              <a:gdLst/>
+              <a:ahLst/>
+              <a:cxnLst/>
+              <a:rect r="r" b="b" t="t" l="l"/>
+              <a:pathLst>
+                <a:path h="1206390" w="2046526">
+                  <a:moveTo>
+                    <a:pt x="75418" y="0"/>
+                  </a:moveTo>
+                  <a:lnTo>
+                    <a:pt x="1971108" y="0"/>
+                  </a:lnTo>
+                  <a:cubicBezTo>
+                    <a:pt x="2012760" y="0"/>
+                    <a:pt x="2046526" y="33766"/>
+                    <a:pt x="2046526" y="75418"/>
+                  </a:cubicBezTo>
+                  <a:lnTo>
+                    <a:pt x="2046526" y="1130972"/>
+                  </a:lnTo>
+                  <a:cubicBezTo>
+                    <a:pt x="2046526" y="1150975"/>
+                    <a:pt x="2038580" y="1170157"/>
+                    <a:pt x="2024437" y="1184301"/>
+                  </a:cubicBezTo>
+                  <a:cubicBezTo>
+                    <a:pt x="2010293" y="1198444"/>
+                    <a:pt x="1991110" y="1206390"/>
+                    <a:pt x="1971108" y="1206390"/>
+                  </a:cubicBezTo>
+                  <a:lnTo>
+                    <a:pt x="75418" y="1206390"/>
+                  </a:lnTo>
+                  <a:cubicBezTo>
+                    <a:pt x="33766" y="1206390"/>
+                    <a:pt x="0" y="1172624"/>
+                    <a:pt x="0" y="1130972"/>
+                  </a:cubicBezTo>
+                  <a:lnTo>
+                    <a:pt x="0" y="75418"/>
+                  </a:lnTo>
+                  <a:cubicBezTo>
+                    <a:pt x="0" y="33766"/>
+                    <a:pt x="33766" y="0"/>
+                    <a:pt x="75418" y="0"/>
+                  </a:cubicBezTo>
+                  <a:close/>
+                </a:path>
+              </a:pathLst>
+            </a:custGeom>
+            <a:solidFill>
+              <a:srgbClr val="FFFFFF"/>
+            </a:solidFill>
+            <a:ln w="142875" cap="rnd">
+              <a:solidFill>
+                <a:srgbClr val="1B548D"/>
+              </a:solidFill>
+              <a:prstDash val="solid"/>
+              <a:round/>
+            </a:ln>
+          </p:spPr>
+        </p:sp>
+        <p:sp>
+          <p:nvSpPr>
+            <p:cNvPr name="TextBox 4" id="4"/>
+            <p:cNvSpPr txBox="true"/>
+            <p:nvPr/>
+          </p:nvSpPr>
+          <p:spPr>
+            <a:xfrm>
+              <a:off x="0" y="-47625"/>
+              <a:ext cx="2046526" cy="1254015"/>
+            </a:xfrm>
+            <a:prstGeom prst="rect">
+              <a:avLst/>
+            </a:prstGeom>
+          </p:spPr>
+          <p:txBody>
+            <a:bodyPr anchor="ctr" rtlCol="false" tIns="50800" lIns="50800" bIns="50800" rIns="50800"/>
+            <a:lstStyle/>
+            <a:p>
+              <a:pPr algn="ctr">
+                <a:lnSpc>
+                  <a:spcPts val="2659"/>
+                </a:lnSpc>
+                <a:spcBef>
+                  <a:spcPct val="0"/>
+                </a:spcBef>
+              </a:pPr>
+            </a:p>
+          </p:txBody>
+        </p:sp>
+      </p:grpSp>
+      <p:sp>
+        <p:nvSpPr>
+          <p:cNvPr name="TextBox 5" id="5"/>
+          <p:cNvSpPr txBox="true"/>
+          <p:nvPr/>
+        </p:nvSpPr>
+        <p:spPr>
+          <a:xfrm rot="0">
+            <a:off x="4592753" y="4952232"/>
+            <a:ext cx="9102494" cy="832686"/>
+          </a:xfrm>
+          <a:prstGeom prst="rect">
+            <a:avLst/>
+          </a:prstGeom>
+        </p:spPr>
+        <p:txBody>
+          <a:bodyPr anchor="t" rtlCol="false" tIns="0" lIns="0" bIns="0" rIns="0">
+            <a:spAutoFit/>
+          </a:bodyPr>
+          <a:lstStyle/>
+          <a:p>
+            <a:pPr algn="ctr">
+              <a:lnSpc>
+                <a:spcPts val="6154"/>
+              </a:lnSpc>
+            </a:pPr>
+            <a:r>
+              <a:rPr lang="en-US" sz="6279" spc="25">
+                <a:solidFill>
+                  <a:srgbClr val="353B57"/>
+                </a:solidFill>
+                <a:latin typeface="Barlow"/>
+              </a:rPr>
+              <a:t>Cadastro de funcionários</a:t>
+            </a:r>
+          </a:p>
+        </p:txBody>
+      </p:sp>
+      <p:sp>
+        <p:nvSpPr>
+          <p:cNvPr name="Freeform 6" id="6"/>
+          <p:cNvSpPr/>
+          <p:nvPr/>
+        </p:nvSpPr>
+        <p:spPr>
+          <a:xfrm flipH="false" flipV="false" rot="0">
+            <a:off x="2312507" y="1255922"/>
+            <a:ext cx="2668303" cy="2993889"/>
+          </a:xfrm>
+          <a:custGeom>
+            <a:avLst/>
+            <a:gdLst/>
+            <a:ahLst/>
+            <a:cxnLst/>
+            <a:rect r="r" b="b" t="t" l="l"/>
+            <a:pathLst>
+              <a:path h="2993889" w="2668303">
+                <a:moveTo>
+                  <a:pt x="0" y="0"/>
+                </a:moveTo>
+                <a:lnTo>
+                  <a:pt x="2668304" y="0"/>
+                </a:lnTo>
+                <a:lnTo>
+                  <a:pt x="2668304" y="2993889"/>
+                </a:lnTo>
+                <a:lnTo>
+                  <a:pt x="0" y="2993889"/>
+                </a:lnTo>
+                <a:lnTo>
+                  <a:pt x="0" y="0"/>
+                </a:lnTo>
+                <a:close/>
+              </a:path>
+            </a:pathLst>
+          </a:custGeom>
+          <a:blipFill>
+            <a:blip r:embed="rId2">
+              <a:extLst>
+                <a:ext uri="{96DAC541-7B7A-43D3-8B79-37D633B846F1}">
+                  <asvg:svgBlip xmlns:asvg="http://schemas.microsoft.com/office/drawing/2016/SVG/main" r:embed="rId3"/>
+                </a:ext>
+              </a:extLst>
+            </a:blip>
+            <a:stretch>
+              <a:fillRect l="0" t="0" r="0" b="0"/>
+            </a:stretch>
+          </a:blipFill>
+        </p:spPr>
+      </p:sp>
+      <p:sp>
+        <p:nvSpPr>
+          <p:cNvPr name="Freeform 7" id="7"/>
+          <p:cNvSpPr/>
+          <p:nvPr/>
+        </p:nvSpPr>
+        <p:spPr>
+          <a:xfrm flipH="false" flipV="false" rot="-7463187">
+            <a:off x="13050465" y="-434340"/>
+            <a:ext cx="7315200" cy="2926080"/>
+          </a:xfrm>
+          <a:custGeom>
+            <a:avLst/>
+            <a:gdLst/>
+            <a:ahLst/>
+            <a:cxnLst/>
+            <a:rect r="r" b="b" t="t" l="l"/>
+            <a:pathLst>
+              <a:path h="2926080" w="7315200">
+                <a:moveTo>
+                  <a:pt x="0" y="0"/>
+                </a:moveTo>
+                <a:lnTo>
+                  <a:pt x="7315200" y="0"/>
+                </a:lnTo>
+                <a:lnTo>
+                  <a:pt x="7315200" y="2926080"/>
+                </a:lnTo>
+                <a:lnTo>
+                  <a:pt x="0" y="2926080"/>
+                </a:lnTo>
+                <a:lnTo>
+                  <a:pt x="0" y="0"/>
+                </a:lnTo>
+                <a:close/>
+              </a:path>
+            </a:pathLst>
+          </a:custGeom>
+          <a:blipFill>
+            <a:blip r:embed="rId4">
+              <a:extLst>
+                <a:ext uri="{96DAC541-7B7A-43D3-8B79-37D633B846F1}">
+                  <asvg:svgBlip xmlns:asvg="http://schemas.microsoft.com/office/drawing/2016/SVG/main" r:embed="rId5"/>
+                </a:ext>
+              </a:extLst>
+            </a:blip>
+            <a:stretch>
+              <a:fillRect l="0" t="0" r="0" b="0"/>
+            </a:stretch>
+          </a:blipFill>
+        </p:spPr>
+      </p:sp>
+      <p:sp>
+        <p:nvSpPr>
+          <p:cNvPr name="Freeform 8" id="8"/>
+          <p:cNvSpPr/>
+          <p:nvPr/>
+        </p:nvSpPr>
+        <p:spPr>
+          <a:xfrm flipH="false" flipV="false" rot="-7463187">
+            <a:off x="-1949869" y="7255075"/>
+            <a:ext cx="7315200" cy="2926080"/>
+          </a:xfrm>
+          <a:custGeom>
+            <a:avLst/>
+            <a:gdLst/>
+            <a:ahLst/>
+            <a:cxnLst/>
+            <a:rect r="r" b="b" t="t" l="l"/>
+            <a:pathLst>
+              <a:path h="2926080" w="7315200">
+                <a:moveTo>
+                  <a:pt x="0" y="0"/>
+                </a:moveTo>
+                <a:lnTo>
+                  <a:pt x="7315200" y="0"/>
+                </a:lnTo>
+                <a:lnTo>
+                  <a:pt x="7315200" y="2926080"/>
+                </a:lnTo>
+                <a:lnTo>
+                  <a:pt x="0" y="2926080"/>
+                </a:lnTo>
+                <a:lnTo>
+                  <a:pt x="0" y="0"/>
+                </a:lnTo>
+                <a:close/>
+              </a:path>
+            </a:pathLst>
+          </a:custGeom>
+          <a:blipFill>
+            <a:blip r:embed="rId4">
+              <a:extLst>
+                <a:ext uri="{96DAC541-7B7A-43D3-8B79-37D633B846F1}">
+                  <asvg:svgBlip xmlns:asvg="http://schemas.microsoft.com/office/drawing/2016/SVG/main" r:embed="rId5"/>
+                </a:ext>
+              </a:extLst>
+            </a:blip>
+            <a:stretch>
+              <a:fillRect l="0" t="0" r="0" b="0"/>
+            </a:stretch>
+          </a:blipFill>
+        </p:spPr>
+      </p:sp>
+    </p:spTree>
+  </p:cSld>
+  <p:clrMapOvr>
+    <a:masterClrMapping/>
+  </p:clrMapOvr>
+</p:sld>
+</file>
+
+<file path=ppt/slides/slide9.xml><?xml version="1.0" encoding="utf-8"?>
+<p:sld xmlns:p="http://schemas.openxmlformats.org/presentationml/2006/main" xmlns:a="http://schemas.openxmlformats.org/drawingml/2006/main" xmlns:r="http://schemas.openxmlformats.org/officeDocument/2006/relationships">
+  <p:cSld>
+    <p:bg>
+      <p:bgPr>
+        <a:solidFill>
+          <a:srgbClr val="4C5270"/>
+        </a:solidFill>
+      </p:bgPr>
+    </p:bg>
+    <p:spTree>
+      <p:nvGrpSpPr>
+        <p:cNvPr id="1" name=""/>
+        <p:cNvGrpSpPr/>
+        <p:nvPr/>
+      </p:nvGrpSpPr>
+      <p:grpSpPr>
+        <a:xfrm>
+          <a:off x="0" y="0"/>
+          <a:ext cx="0" cy="0"/>
+          <a:chOff x="0" y="0"/>
+          <a:chExt cx="0" cy="0"/>
+        </a:xfrm>
+      </p:grpSpPr>
+      <p:grpSp>
+        <p:nvGrpSpPr>
+          <p:cNvPr name="Group 2" id="2"/>
+          <p:cNvGrpSpPr/>
+          <p:nvPr/>
+        </p:nvGrpSpPr>
+        <p:grpSpPr>
+          <a:xfrm rot="0">
+            <a:off x="4011302" y="2281030"/>
+            <a:ext cx="10265396" cy="6051266"/>
+            <a:chOff x="0" y="0"/>
+            <a:chExt cx="2046526" cy="1206390"/>
+          </a:xfrm>
+        </p:grpSpPr>
+        <p:sp>
+          <p:nvSpPr>
+            <p:cNvPr name="Freeform 3" id="3"/>
+            <p:cNvSpPr/>
+            <p:nvPr/>
+          </p:nvSpPr>
+          <p:spPr>
+            <a:xfrm flipH="false" flipV="false" rot="0">
+              <a:off x="0" y="0"/>
+              <a:ext cx="2046526" cy="1206390"/>
+            </a:xfrm>
+            <a:custGeom>
+              <a:avLst/>
+              <a:gdLst/>
+              <a:ahLst/>
+              <a:cxnLst/>
+              <a:rect r="r" b="b" t="t" l="l"/>
+              <a:pathLst>
+                <a:path h="1206390" w="2046526">
+                  <a:moveTo>
+                    <a:pt x="75418" y="0"/>
+                  </a:moveTo>
+                  <a:lnTo>
+                    <a:pt x="1971108" y="0"/>
+                  </a:lnTo>
+                  <a:cubicBezTo>
+                    <a:pt x="2012760" y="0"/>
+                    <a:pt x="2046526" y="33766"/>
+                    <a:pt x="2046526" y="75418"/>
+                  </a:cubicBezTo>
+                  <a:lnTo>
+                    <a:pt x="2046526" y="1130972"/>
+                  </a:lnTo>
+                  <a:cubicBezTo>
+                    <a:pt x="2046526" y="1150975"/>
+                    <a:pt x="2038580" y="1170157"/>
+                    <a:pt x="2024437" y="1184301"/>
+                  </a:cubicBezTo>
+                  <a:cubicBezTo>
+                    <a:pt x="2010293" y="1198444"/>
+                    <a:pt x="1991110" y="1206390"/>
+                    <a:pt x="1971108" y="1206390"/>
+                  </a:cubicBezTo>
+                  <a:lnTo>
+                    <a:pt x="75418" y="1206390"/>
+                  </a:lnTo>
+                  <a:cubicBezTo>
+                    <a:pt x="33766" y="1206390"/>
+                    <a:pt x="0" y="1172624"/>
+                    <a:pt x="0" y="1130972"/>
+                  </a:cubicBezTo>
+                  <a:lnTo>
+                    <a:pt x="0" y="75418"/>
+                  </a:lnTo>
+                  <a:cubicBezTo>
+                    <a:pt x="0" y="33766"/>
+                    <a:pt x="33766" y="0"/>
+                    <a:pt x="75418" y="0"/>
+                  </a:cubicBezTo>
+                  <a:close/>
+                </a:path>
+              </a:pathLst>
+            </a:custGeom>
+            <a:solidFill>
+              <a:srgbClr val="FFFFFF"/>
+            </a:solidFill>
+            <a:ln w="142875" cap="rnd">
+              <a:solidFill>
+                <a:srgbClr val="1B548D"/>
+              </a:solidFill>
+              <a:prstDash val="solid"/>
+              <a:round/>
+            </a:ln>
+          </p:spPr>
+        </p:sp>
+        <p:sp>
+          <p:nvSpPr>
+            <p:cNvPr name="TextBox 4" id="4"/>
+            <p:cNvSpPr txBox="true"/>
+            <p:nvPr/>
+          </p:nvSpPr>
+          <p:spPr>
+            <a:xfrm>
+              <a:off x="0" y="-47625"/>
+              <a:ext cx="2046526" cy="1254015"/>
+            </a:xfrm>
+            <a:prstGeom prst="rect">
+              <a:avLst/>
+            </a:prstGeom>
+          </p:spPr>
+          <p:txBody>
+            <a:bodyPr anchor="ctr" rtlCol="false" tIns="50800" lIns="50800" bIns="50800" rIns="50800"/>
+            <a:lstStyle/>
+            <a:p>
+              <a:pPr algn="ctr">
+                <a:lnSpc>
+                  <a:spcPts val="2659"/>
+                </a:lnSpc>
+                <a:spcBef>
+                  <a:spcPct val="0"/>
+                </a:spcBef>
+              </a:pPr>
+            </a:p>
+          </p:txBody>
+        </p:sp>
+      </p:grpSp>
+      <p:sp>
+        <p:nvSpPr>
+          <p:cNvPr name="TextBox 5" id="5"/>
+          <p:cNvSpPr txBox="true"/>
+          <p:nvPr/>
+        </p:nvSpPr>
+        <p:spPr>
+          <a:xfrm rot="0">
+            <a:off x="4592753" y="4561707"/>
+            <a:ext cx="9102494" cy="1613736"/>
+          </a:xfrm>
+          <a:prstGeom prst="rect">
+            <a:avLst/>
+          </a:prstGeom>
+        </p:spPr>
+        <p:txBody>
+          <a:bodyPr anchor="t" rtlCol="false" tIns="0" lIns="0" bIns="0" rIns="0">
+            <a:spAutoFit/>
+          </a:bodyPr>
+          <a:lstStyle/>
+          <a:p>
+            <a:pPr algn="ctr">
+              <a:lnSpc>
+                <a:spcPts val="6154"/>
+              </a:lnSpc>
+            </a:pPr>
+            <a:r>
+              <a:rPr lang="en-US" sz="6279" spc="25">
+                <a:solidFill>
+                  <a:srgbClr val="353B57"/>
+                </a:solidFill>
+                <a:latin typeface="Barlow"/>
+              </a:rPr>
+              <a:t>Gestão dos funcionários cadastrados</a:t>
             </a:r>
           </a:p>
         </p:txBody>
